--- a/slides/Thesis.pptx
+++ b/slides/Thesis.pptx
@@ -9164,7 +9164,7 @@
           <a:p>
             <a:r>
               <a:rPr lang="en-US" dirty="0" smtClean="0"/>
-              <a:t>Where in the disk can planets form?</a:t>
+              <a:t>Where in the disk can giant planets form?</a:t>
             </a:r>
           </a:p>
           <a:p>
@@ -12863,7 +12863,27 @@
           <a:p>
             <a:r>
               <a:rPr lang="en-US" dirty="0" smtClean="0"/>
-              <a:t>Lead with ice morphology for CO; show Edith’s plot, then C/O plot; then go to nitrogen </a:t>
+              <a:t>Lead with ice morphology for CO; show Edith’s plot, then C/O plot; </a:t>
+            </a:r>
+            <a:r>
+              <a:rPr lang="en-US" dirty="0"/>
+              <a:t>at the end </a:t>
+            </a:r>
+            <a:r>
+              <a:rPr lang="en-US" dirty="0" err="1"/>
+              <a:t>mentuon</a:t>
+            </a:r>
+            <a:r>
+              <a:rPr lang="en-US" dirty="0"/>
+              <a:t> that CH4 doesn’t really </a:t>
+            </a:r>
+            <a:r>
+              <a:rPr lang="en-US" smtClean="0"/>
+              <a:t>matter; then </a:t>
+            </a:r>
+            <a:r>
+              <a:rPr lang="en-US" dirty="0" smtClean="0"/>
+              <a:t>go to nitrogen </a:t>
             </a:r>
           </a:p>
           <a:p>
